--- a/Milestones/Milestone 6/Milestone6Rcoon.pptx
+++ b/Milestones/Milestone 6/Milestone6Rcoon.pptx
@@ -19,6 +19,8 @@
     <p:sldId id="268" r:id="rId13"/>
     <p:sldId id="267" r:id="rId14"/>
     <p:sldId id="269" r:id="rId15"/>
+    <p:sldId id="270" r:id="rId16"/>
+    <p:sldId id="271" r:id="rId17"/>
   </p:sldIdLst>
   <p:sldSz cx="9144000" cy="6858000" type="screen4x3"/>
   <p:notesSz cx="6858000" cy="9144000"/>
@@ -4311,13 +4313,8 @@
           <a:p>
             <a:r>
               <a:rPr lang="en-US" altLang="en-US" dirty="0"/>
-              <a:t>I kept getting a lot of errors like this one: “angular can't bind to 'product' since it isn't a known property”. Turns out I had not added a constructor into the section. Lesson is take your time and look it over. Stack overflow is a good help when encountering </a:t>
-            </a:r>
-            <a:r>
-              <a:rPr lang="en-US" altLang="en-US"/>
-              <a:t>certain errors as this one.</a:t>
-            </a:r>
-            <a:endParaRPr lang="en-US" altLang="en-US" dirty="0"/>
+              <a:t>I did not have much in the sake of challenges in this milestone. I followed the React activity and it helped a lot with getting everything in working order. The only trouble I had with this milestone was getting all of the different parts to work with one another. Once I got the select one to work, I had issued with getting the edit and delete to work. </a:t>
+            </a:r>
           </a:p>
         </p:txBody>
       </p:sp>
@@ -4416,13 +4413,8 @@
           <a:p>
             <a:r>
               <a:rPr lang="en-US" altLang="en-US" dirty="0"/>
-              <a:t>I kept getting a lot of errors like this one: “angular can't bind to 'product' since it isn't a known property”. Turns out I had not added a constructor into the section. Lesson is take your time and look it over. Stack overflow is a good help when encountering </a:t>
-            </a:r>
-            <a:r>
-              <a:rPr lang="en-US" altLang="en-US"/>
-              <a:t>certain errors as this one.</a:t>
-            </a:r>
-            <a:endParaRPr lang="en-US" altLang="en-US" dirty="0"/>
+              <a:t>There are no present bugs in the program at this time. All buttons work and product add, edit, and delete are all in working order.</a:t>
+            </a:r>
           </a:p>
         </p:txBody>
       </p:sp>
@@ -4521,13 +4513,8 @@
           <a:p>
             <a:r>
               <a:rPr lang="en-US" altLang="en-US" dirty="0"/>
-              <a:t>I kept getting a lot of errors like this one: “angular can't bind to 'product' since it isn't a known property”. Turns out I had not added a constructor into the section. Lesson is take your time and look it over. Stack overflow is a good help when encountering </a:t>
-            </a:r>
-            <a:r>
-              <a:rPr lang="en-US" altLang="en-US"/>
-              <a:t>certain errors as this one.</a:t>
-            </a:r>
-            <a:endParaRPr lang="en-US" altLang="en-US" dirty="0"/>
+              <a:t>I kept getting errors when trying to pass new parameters to the child and not through the parent. Read the errors and they explain themselves. Once I finally got this, I was able to get the functions to work as intended.</a:t>
+            </a:r>
           </a:p>
         </p:txBody>
       </p:sp>
@@ -4625,12 +4612,14 @@
           <a:lstStyle/>
           <a:p>
             <a:r>
-              <a:rPr lang="en-US" altLang="en-US" dirty="0"/>
-              <a:t>I kept getting a lot of errors like this one: “angular can't bind to 'product' since it isn't a known property”. Turns out I had not added a constructor into the section. Lesson is take your time and look it over. Stack overflow is a good help when encountering </a:t>
-            </a:r>
-            <a:r>
-              <a:rPr lang="en-US" altLang="en-US"/>
-              <a:t>certain errors as this one.</a:t>
+              <a:rPr lang="en-US" b="0" i="0" dirty="0">
+                <a:solidFill>
+                  <a:srgbClr val="222222"/>
+                </a:solidFill>
+                <a:effectLst/>
+                <a:latin typeface="Aspira Webfont"/>
+              </a:rPr>
+              <a:t>From a Christian worldview, the concept of inclusivity and treating others as we would want to be treated is fundamental. This extends to digital spaces as well. Website accessibility refers to designing and developing websites in a way that ensures people with disabilities can access and interact with the content effectively.</a:t>
             </a:r>
             <a:endParaRPr lang="en-US" altLang="en-US" dirty="0"/>
           </a:p>
@@ -4640,6 +4629,385 @@
     <p:extLst>
       <p:ext uri="{BB962C8B-B14F-4D97-AF65-F5344CB8AC3E}">
         <p14:creationId xmlns:p14="http://schemas.microsoft.com/office/powerpoint/2010/main" val="700568420"/>
+      </p:ext>
+    </p:extLst>
+  </p:cSld>
+  <p:clrMapOvr>
+    <a:masterClrMapping/>
+  </p:clrMapOvr>
+</p:sld>
+</file>
+
+<file path=ppt/slides/slide15.xml><?xml version="1.0" encoding="utf-8"?>
+<p:sld xmlns:a="http://schemas.openxmlformats.org/drawingml/2006/main" xmlns:r="http://schemas.openxmlformats.org/officeDocument/2006/relationships" xmlns:p="http://schemas.openxmlformats.org/presentationml/2006/main">
+  <p:cSld>
+    <p:spTree>
+      <p:nvGrpSpPr>
+        <p:cNvPr id="1" name=""/>
+        <p:cNvGrpSpPr/>
+        <p:nvPr/>
+      </p:nvGrpSpPr>
+      <p:grpSpPr>
+        <a:xfrm>
+          <a:off x="0" y="0"/>
+          <a:ext cx="0" cy="0"/>
+          <a:chOff x="0" y="0"/>
+          <a:chExt cx="0" cy="0"/>
+        </a:xfrm>
+      </p:grpSpPr>
+      <p:sp>
+        <p:nvSpPr>
+          <p:cNvPr id="106498" name="Rectangle 2">
+            <a:extLst>
+              <a:ext uri="{FF2B5EF4-FFF2-40B4-BE49-F238E27FC236}">
+                <a16:creationId xmlns:a16="http://schemas.microsoft.com/office/drawing/2014/main" id="{E112795A-C527-D932-86FA-CD5D351ADFE5}"/>
+              </a:ext>
+            </a:extLst>
+          </p:cNvPr>
+          <p:cNvSpPr>
+            <a:spLocks noGrp="1" noChangeArrowheads="1"/>
+          </p:cNvSpPr>
+          <p:nvPr>
+            <p:ph type="title"/>
+          </p:nvPr>
+        </p:nvSpPr>
+        <p:spPr>
+          <a:xfrm>
+            <a:off x="395288" y="188913"/>
+            <a:ext cx="8229600" cy="1439887"/>
+          </a:xfrm>
+        </p:spPr>
+        <p:txBody>
+          <a:bodyPr/>
+          <a:lstStyle/>
+          <a:p>
+            <a:r>
+              <a:rPr lang="en-US" altLang="en-US" dirty="0">
+                <a:solidFill>
+                  <a:schemeClr val="tx1"/>
+                </a:solidFill>
+              </a:rPr>
+              <a:t>What this means for User Experience</a:t>
+            </a:r>
+          </a:p>
+        </p:txBody>
+      </p:sp>
+      <p:sp>
+        <p:nvSpPr>
+          <p:cNvPr id="106499" name="Rectangle 3">
+            <a:extLst>
+              <a:ext uri="{FF2B5EF4-FFF2-40B4-BE49-F238E27FC236}">
+                <a16:creationId xmlns:a16="http://schemas.microsoft.com/office/drawing/2014/main" id="{B5CB07C1-62DD-F221-BA28-5856AE524CC3}"/>
+              </a:ext>
+            </a:extLst>
+          </p:cNvPr>
+          <p:cNvSpPr>
+            <a:spLocks noGrp="1" noChangeArrowheads="1"/>
+          </p:cNvSpPr>
+          <p:nvPr>
+            <p:ph type="body" idx="1"/>
+          </p:nvPr>
+        </p:nvSpPr>
+        <p:spPr>
+          <a:xfrm>
+            <a:off x="457200" y="1855788"/>
+            <a:ext cx="8229600" cy="4525962"/>
+          </a:xfrm>
+        </p:spPr>
+        <p:txBody>
+          <a:bodyPr/>
+          <a:lstStyle/>
+          <a:p>
+            <a:pPr algn="l"/>
+            <a:r>
+              <a:rPr lang="en-US" dirty="0">
+                <a:effectLst/>
+                <a:latin typeface="Aspira Webfont"/>
+              </a:rPr>
+              <a:t>In line with Christian principles, valuing the dignity of every individual is crucial. Making your website accessible enhances the UX for everyone, regardless of their abilities. Just as Jesus cared for the marginalized and the overlooked, an accessible website ensures that no one is excluded from accessing its content, which aligns with the values of compassion and inclusivity.</a:t>
+            </a:r>
+          </a:p>
+          <a:p>
+            <a:pPr algn="l"/>
+            <a:br>
+              <a:rPr lang="en-US" dirty="0">
+                <a:effectLst/>
+                <a:latin typeface="Aspira Webfont"/>
+              </a:rPr>
+            </a:br>
+            <a:endParaRPr lang="en-US" dirty="0">
+              <a:effectLst/>
+              <a:latin typeface="Aspira Webfont"/>
+            </a:endParaRPr>
+          </a:p>
+        </p:txBody>
+      </p:sp>
+    </p:spTree>
+    <p:extLst>
+      <p:ext uri="{BB962C8B-B14F-4D97-AF65-F5344CB8AC3E}">
+        <p14:creationId xmlns:p14="http://schemas.microsoft.com/office/powerpoint/2010/main" val="1928996211"/>
+      </p:ext>
+    </p:extLst>
+  </p:cSld>
+  <p:clrMapOvr>
+    <a:masterClrMapping/>
+  </p:clrMapOvr>
+</p:sld>
+</file>
+
+<file path=ppt/slides/slide16.xml><?xml version="1.0" encoding="utf-8"?>
+<p:sld xmlns:a="http://schemas.openxmlformats.org/drawingml/2006/main" xmlns:r="http://schemas.openxmlformats.org/officeDocument/2006/relationships" xmlns:p="http://schemas.openxmlformats.org/presentationml/2006/main">
+  <p:cSld>
+    <p:spTree>
+      <p:nvGrpSpPr>
+        <p:cNvPr id="1" name=""/>
+        <p:cNvGrpSpPr/>
+        <p:nvPr/>
+      </p:nvGrpSpPr>
+      <p:grpSpPr>
+        <a:xfrm>
+          <a:off x="0" y="0"/>
+          <a:ext cx="0" cy="0"/>
+          <a:chOff x="0" y="0"/>
+          <a:chExt cx="0" cy="0"/>
+        </a:xfrm>
+      </p:grpSpPr>
+      <p:sp>
+        <p:nvSpPr>
+          <p:cNvPr id="106498" name="Rectangle 2">
+            <a:extLst>
+              <a:ext uri="{FF2B5EF4-FFF2-40B4-BE49-F238E27FC236}">
+                <a16:creationId xmlns:a16="http://schemas.microsoft.com/office/drawing/2014/main" id="{E112795A-C527-D932-86FA-CD5D351ADFE5}"/>
+              </a:ext>
+            </a:extLst>
+          </p:cNvPr>
+          <p:cNvSpPr>
+            <a:spLocks noGrp="1" noChangeArrowheads="1"/>
+          </p:cNvSpPr>
+          <p:nvPr>
+            <p:ph type="title"/>
+          </p:nvPr>
+        </p:nvSpPr>
+        <p:spPr>
+          <a:xfrm>
+            <a:off x="395288" y="188913"/>
+            <a:ext cx="8229600" cy="1439887"/>
+          </a:xfrm>
+        </p:spPr>
+        <p:txBody>
+          <a:bodyPr/>
+          <a:lstStyle/>
+          <a:p>
+            <a:r>
+              <a:rPr lang="en-US" altLang="en-US" dirty="0">
+                <a:solidFill>
+                  <a:schemeClr val="tx1"/>
+                </a:solidFill>
+              </a:rPr>
+              <a:t>Examples of best practice</a:t>
+            </a:r>
+          </a:p>
+        </p:txBody>
+      </p:sp>
+      <p:sp>
+        <p:nvSpPr>
+          <p:cNvPr id="106499" name="Rectangle 3">
+            <a:extLst>
+              <a:ext uri="{FF2B5EF4-FFF2-40B4-BE49-F238E27FC236}">
+                <a16:creationId xmlns:a16="http://schemas.microsoft.com/office/drawing/2014/main" id="{B5CB07C1-62DD-F221-BA28-5856AE524CC3}"/>
+              </a:ext>
+            </a:extLst>
+          </p:cNvPr>
+          <p:cNvSpPr>
+            <a:spLocks noGrp="1" noChangeArrowheads="1"/>
+          </p:cNvSpPr>
+          <p:nvPr>
+            <p:ph type="body" idx="1"/>
+          </p:nvPr>
+        </p:nvSpPr>
+        <p:spPr>
+          <a:xfrm>
+            <a:off x="914400" y="1844824"/>
+            <a:ext cx="8229600" cy="4525962"/>
+          </a:xfrm>
+        </p:spPr>
+        <p:txBody>
+          <a:bodyPr/>
+          <a:lstStyle/>
+          <a:p>
+            <a:pPr algn="l">
+              <a:buFont typeface="Arial" panose="020B0604020202020204" pitchFamily="34" charset="0"/>
+              <a:buChar char="•"/>
+            </a:pPr>
+            <a:r>
+              <a:rPr lang="en-US" sz="2400" b="1" i="0" dirty="0">
+                <a:solidFill>
+                  <a:srgbClr val="222222"/>
+                </a:solidFill>
+                <a:effectLst/>
+                <a:latin typeface="Aspira Webfont"/>
+              </a:rPr>
+              <a:t>Semantic HTML</a:t>
+            </a:r>
+          </a:p>
+          <a:p>
+            <a:pPr algn="l">
+              <a:buFont typeface="Arial" panose="020B0604020202020204" pitchFamily="34" charset="0"/>
+              <a:buChar char="•"/>
+            </a:pPr>
+            <a:r>
+              <a:rPr lang="en-US" sz="2400" b="1" i="0" dirty="0">
+                <a:solidFill>
+                  <a:srgbClr val="222222"/>
+                </a:solidFill>
+                <a:effectLst/>
+                <a:latin typeface="Aspira Webfont"/>
+              </a:rPr>
+              <a:t>Keyboard Navigation</a:t>
+            </a:r>
+          </a:p>
+          <a:p>
+            <a:pPr algn="l">
+              <a:buFont typeface="Arial" panose="020B0604020202020204" pitchFamily="34" charset="0"/>
+              <a:buChar char="•"/>
+            </a:pPr>
+            <a:r>
+              <a:rPr lang="en-US" sz="2400" b="1" i="0" dirty="0">
+                <a:solidFill>
+                  <a:srgbClr val="222222"/>
+                </a:solidFill>
+                <a:effectLst/>
+                <a:latin typeface="Aspira Webfont"/>
+              </a:rPr>
+              <a:t>Alternative Text </a:t>
+            </a:r>
+          </a:p>
+          <a:p>
+            <a:pPr algn="l">
+              <a:buFont typeface="Arial" panose="020B0604020202020204" pitchFamily="34" charset="0"/>
+              <a:buChar char="•"/>
+            </a:pPr>
+            <a:r>
+              <a:rPr lang="en-US" sz="2400" b="1" i="0" dirty="0">
+                <a:solidFill>
+                  <a:srgbClr val="222222"/>
+                </a:solidFill>
+                <a:effectLst/>
+                <a:latin typeface="Aspira Webfont"/>
+              </a:rPr>
+              <a:t>Captioned Media</a:t>
+            </a:r>
+          </a:p>
+          <a:p>
+            <a:pPr algn="l">
+              <a:buFont typeface="Arial" panose="020B0604020202020204" pitchFamily="34" charset="0"/>
+              <a:buChar char="•"/>
+            </a:pPr>
+            <a:r>
+              <a:rPr lang="en-US" sz="2400" b="1" i="0" dirty="0">
+                <a:solidFill>
+                  <a:srgbClr val="222222"/>
+                </a:solidFill>
+                <a:effectLst/>
+                <a:latin typeface="Aspira Webfont"/>
+              </a:rPr>
+              <a:t>Readable Fonts and Contrast</a:t>
+            </a:r>
+          </a:p>
+          <a:p>
+            <a:pPr algn="l">
+              <a:buFont typeface="Arial" panose="020B0604020202020204" pitchFamily="34" charset="0"/>
+              <a:buChar char="•"/>
+            </a:pPr>
+            <a:r>
+              <a:rPr lang="en-US" sz="2400" b="1" i="0" dirty="0">
+                <a:solidFill>
+                  <a:srgbClr val="222222"/>
+                </a:solidFill>
+                <a:effectLst/>
+                <a:latin typeface="Aspira Webfont"/>
+              </a:rPr>
+              <a:t>Avoiding </a:t>
+            </a:r>
+            <a:r>
+              <a:rPr lang="en-US" sz="2400" b="1" i="0" dirty="0" err="1">
+                <a:solidFill>
+                  <a:srgbClr val="222222"/>
+                </a:solidFill>
+                <a:effectLst/>
+                <a:latin typeface="Aspira Webfont"/>
+              </a:rPr>
+              <a:t>Autoplay</a:t>
+            </a:r>
+            <a:endParaRPr lang="en-US" sz="2400" b="1" i="0" dirty="0">
+              <a:solidFill>
+                <a:srgbClr val="222222"/>
+              </a:solidFill>
+              <a:effectLst/>
+              <a:latin typeface="Aspira Webfont"/>
+            </a:endParaRPr>
+          </a:p>
+          <a:p>
+            <a:pPr algn="l">
+              <a:buFont typeface="Arial" panose="020B0604020202020204" pitchFamily="34" charset="0"/>
+              <a:buChar char="•"/>
+            </a:pPr>
+            <a:r>
+              <a:rPr lang="en-US" sz="2400" b="1" i="0" dirty="0">
+                <a:solidFill>
+                  <a:srgbClr val="222222"/>
+                </a:solidFill>
+                <a:effectLst/>
+                <a:latin typeface="Aspira Webfont"/>
+              </a:rPr>
+              <a:t>Form Accessibility</a:t>
+            </a:r>
+          </a:p>
+          <a:p>
+            <a:pPr algn="l">
+              <a:buFont typeface="Arial" panose="020B0604020202020204" pitchFamily="34" charset="0"/>
+              <a:buChar char="•"/>
+            </a:pPr>
+            <a:r>
+              <a:rPr lang="en-US" sz="2400" b="1" i="0" dirty="0">
+                <a:solidFill>
+                  <a:srgbClr val="222222"/>
+                </a:solidFill>
+                <a:effectLst/>
+                <a:latin typeface="Aspira Webfont"/>
+              </a:rPr>
+              <a:t>Sufficient Time for Tasks</a:t>
+            </a:r>
+          </a:p>
+          <a:p>
+            <a:pPr algn="l">
+              <a:buFont typeface="Arial" panose="020B0604020202020204" pitchFamily="34" charset="0"/>
+              <a:buChar char="•"/>
+            </a:pPr>
+            <a:r>
+              <a:rPr lang="en-US" sz="2400" b="1" i="0" dirty="0">
+                <a:solidFill>
+                  <a:srgbClr val="222222"/>
+                </a:solidFill>
+                <a:effectLst/>
+                <a:latin typeface="Aspira Webfont"/>
+              </a:rPr>
+              <a:t>Consistent Layout</a:t>
+            </a:r>
+            <a:endParaRPr lang="en-US" sz="2400" b="0" i="0" dirty="0">
+              <a:solidFill>
+                <a:srgbClr val="222222"/>
+              </a:solidFill>
+              <a:effectLst/>
+              <a:latin typeface="Aspira Webfont"/>
+            </a:endParaRPr>
+          </a:p>
+        </p:txBody>
+      </p:sp>
+    </p:spTree>
+    <p:extLst>
+      <p:ext uri="{BB962C8B-B14F-4D97-AF65-F5344CB8AC3E}">
+        <p14:creationId xmlns:p14="http://schemas.microsoft.com/office/powerpoint/2010/main" val="719344155"/>
       </p:ext>
     </p:extLst>
   </p:cSld>
@@ -4793,7 +5161,15 @@
           <a:p>
             <a:r>
               <a:rPr lang="en-US" altLang="en-US" dirty="0"/>
-              <a:t>I did not have much in the sake of challenges in this milestone. I followed the React activity and it helped a lot with getting everything in working order. The only trouble I had with this milestone was getting all of the different parts to work with one another. Once I got the select one to work, I had issued with getting the edit and delete to work. </a:t>
+              <a:t>The one challenge that I encountered in this Milestone was within the queries script. I could not get the edit to work as it kept saying that a question mark was misplaced. It turned out to be in the </a:t>
+            </a:r>
+            <a:r>
+              <a:rPr lang="en-US" altLang="en-US" dirty="0" err="1"/>
+              <a:t>dao</a:t>
+            </a:r>
+            <a:r>
+              <a:rPr lang="en-US" altLang="en-US" dirty="0"/>
+              <a:t> part where I missed for it to get the productid when submitting for a product edit. Once I found it everything worked.</a:t>
             </a:r>
           </a:p>
         </p:txBody>
@@ -4893,7 +5269,7 @@
           <a:p>
             <a:r>
               <a:rPr lang="en-US" altLang="en-US" dirty="0"/>
-              <a:t>I did not have much in the sake of challenges in this milestone. I followed the React activity and it helped a lot with getting everything in working order. The only trouble I had with this milestone was getting all of the different parts to work with one another. Once I got the select one to work, I had issued with getting the edit and delete to work. </a:t>
+              <a:t>There are no present bugs in the program at this time.</a:t>
             </a:r>
           </a:p>
         </p:txBody>
@@ -4993,7 +5369,7 @@
           <a:p>
             <a:r>
               <a:rPr lang="en-US" altLang="en-US" dirty="0"/>
-              <a:t>I did not have much in the sake of challenges in this milestone. I followed the React activity and it helped a lot with getting everything in working order. The only trouble I had with this milestone was getting all of the different parts to work with one another. Once I got the select one to work, I had issued with getting the edit and delete to work. </a:t>
+              <a:t>Top lesson learned is to take your time and double check as you go. It may not show as an error in the code, but it could be as simple as a misplaced question mark or a misspelled word.</a:t>
             </a:r>
           </a:p>
         </p:txBody>
@@ -5160,7 +5536,7 @@
           <a:p>
             <a:r>
               <a:rPr lang="en-US" altLang="en-US" dirty="0"/>
-              <a:t>I did not have much in the sake of challenges in this milestone. I followed the React activity and it helped a lot with getting everything in working order. The only trouble I had with this milestone was getting all of the different parts to work with one another. Once I got the select one to work, I had issued with getting the edit and delete to work. </a:t>
+              <a:t>I did not have much in the sake of challenges in this milestone. I followed the Angular activity and it helped a lot with getting everything in working order. I did have a bit of trouble getting the Delete function to work within a button on the product cards, but I could not get it working.</a:t>
             </a:r>
           </a:p>
         </p:txBody>
@@ -5260,7 +5636,7 @@
           <a:p>
             <a:r>
               <a:rPr lang="en-US" altLang="en-US" dirty="0"/>
-              <a:t>I did not have much in the sake of challenges in this milestone. I followed the React activity and it helped a lot with getting everything in working order. The only trouble I had with this milestone was getting all of the different parts to work with one another. Once I got the select one to work, I had issued with getting the edit and delete to work. </a:t>
+              <a:t>I kept getting a lot of errors like this one: “angular can't bind to 'product' since it isn't a known property”. Turns out I had not added a constructor into the section. Lesson is take your time and look it over. Stack overflow is a good help when encountering certain errors as this one.</a:t>
             </a:r>
           </a:p>
         </p:txBody>
